--- a/Doc/11조 최종발표_자료.pptx
+++ b/Doc/11조 최종발표_자료.pptx
@@ -1,54 +1,34 @@
 
 <file path=ppt/presentation.xml><?xml version="1.0" encoding="utf-8"?>
-<p:presentation xmlns:a="http://schemas.openxmlformats.org/drawingml/2006/main" xmlns:r="http://schemas.openxmlformats.org/officeDocument/2006/relationships" xmlns:p="http://schemas.openxmlformats.org/presentationml/2006/main" embedTrueTypeFonts="1">
+<p:presentation xmlns:r="http://schemas.openxmlformats.org/officeDocument/2006/relationships" xmlns:c="http://schemas.openxmlformats.org/drawingml/2006/chart" xmlns:a="http://schemas.openxmlformats.org/drawingml/2006/main" xmlns:dgm="http://schemas.openxmlformats.org/drawingml/2006/diagram" xmlns:dsp="http://schemas.microsoft.com/office/drawing/2008/diagram" xmlns:p="http://schemas.openxmlformats.org/presentationml/2006/main" embedTrueTypeFonts="1">
   <p:sldMasterIdLst>
     <p:sldMasterId id="2147483792" r:id="rId1"/>
   </p:sldMasterIdLst>
   <p:notesMasterIdLst>
-    <p:notesMasterId r:id="rId20"/>
+    <p:notesMasterId r:id="rId2"/>
   </p:notesMasterIdLst>
   <p:sldIdLst>
-    <p:sldId id="256" r:id="rId2"/>
-    <p:sldId id="257" r:id="rId3"/>
-    <p:sldId id="258" r:id="rId4"/>
-    <p:sldId id="275" r:id="rId5"/>
+    <p:sldId id="256" r:id="rId3"/>
+    <p:sldId id="257" r:id="rId4"/>
+    <p:sldId id="258" r:id="rId5"/>
     <p:sldId id="259" r:id="rId6"/>
-    <p:sldId id="276" r:id="rId7"/>
-    <p:sldId id="277" r:id="rId8"/>
-    <p:sldId id="278" r:id="rId9"/>
-    <p:sldId id="279" r:id="rId10"/>
-    <p:sldId id="280" r:id="rId11"/>
-    <p:sldId id="285" r:id="rId12"/>
-    <p:sldId id="282" r:id="rId13"/>
-    <p:sldId id="286" r:id="rId14"/>
-    <p:sldId id="289" r:id="rId15"/>
-    <p:sldId id="288" r:id="rId16"/>
-    <p:sldId id="287" r:id="rId17"/>
-    <p:sldId id="274" r:id="rId18"/>
-    <p:sldId id="263" r:id="rId19"/>
+    <p:sldId id="260" r:id="rId7"/>
+    <p:sldId id="261" r:id="rId8"/>
+    <p:sldId id="262" r:id="rId9"/>
+    <p:sldId id="263" r:id="rId10"/>
+    <p:sldId id="264" r:id="rId11"/>
+    <p:sldId id="265" r:id="rId12"/>
+    <p:sldId id="266" r:id="rId13"/>
+    <p:sldId id="267" r:id="rId14"/>
+    <p:sldId id="268" r:id="rId15"/>
+    <p:sldId id="269" r:id="rId16"/>
+    <p:sldId id="270" r:id="rId17"/>
+    <p:sldId id="271" r:id="rId18"/>
+    <p:sldId id="272" r:id="rId19"/>
+    <p:sldId id="273" r:id="rId20"/>
   </p:sldIdLst>
   <p:sldSz cx="9144000" cy="6858000" type="screen4x3"/>
   <p:notesSz cx="6805613" cy="9939338"/>
-  <p:embeddedFontLst>
-    <p:embeddedFont>
-      <p:font typeface="나눔고딕 ExtraBold" panose="020D0904000000000000" pitchFamily="50" charset="-127"/>
-      <p:bold r:id="rId21"/>
-    </p:embeddedFont>
-    <p:embeddedFont>
-      <p:font typeface="나눔고딕" panose="020D0604000000000000" pitchFamily="50" charset="-127"/>
-      <p:regular r:id="rId22"/>
-      <p:bold r:id="rId23"/>
-    </p:embeddedFont>
-    <p:embeddedFont>
-      <p:font typeface="KoPub돋움체 Light" panose="02020603020101020101" pitchFamily="18" charset="-127"/>
-      <p:regular r:id="rId24"/>
-    </p:embeddedFont>
-    <p:embeddedFont>
-      <p:font typeface="맑은 고딕" panose="020B0503020000020004" pitchFamily="50" charset="-127"/>
-      <p:regular r:id="rId25"/>
-      <p:bold r:id="rId26"/>
-    </p:embeddedFont>
-  </p:embeddedFontLst>
   <p:defaultTextStyle>
     <a:defPPr>
       <a:defRPr lang="ko-KR"/>
@@ -144,22 +124,6 @@
       </a:defRPr>
     </a:lvl9pPr>
   </p:defaultTextStyle>
-  <p:extLst>
-    <p:ext uri="{EFAFB233-063F-42B5-8137-9DF3F51BA10A}">
-      <p15:sldGuideLst xmlns:p15="http://schemas.microsoft.com/office/powerpoint/2012/main">
-        <p15:guide id="1" orient="horz" pos="2157">
-          <p15:clr>
-            <a:srgbClr val="A4A3A4"/>
-          </p15:clr>
-        </p15:guide>
-        <p15:guide id="2" pos="2878">
-          <p15:clr>
-            <a:srgbClr val="A4A3A4"/>
-          </p15:clr>
-        </p15:guide>
-      </p15:sldGuideLst>
-    </p:ext>
-  </p:extLst>
 </p:presentation>
 </file>
 
@@ -330,7 +294,7 @@
 </file>
 
 <file path=ppt/notesMasters/notesMaster1.xml><?xml version="1.0" encoding="utf-8"?>
-<p:notesMaster xmlns:a="http://schemas.openxmlformats.org/drawingml/2006/main" xmlns:r="http://schemas.openxmlformats.org/officeDocument/2006/relationships" xmlns:p="http://schemas.openxmlformats.org/presentationml/2006/main">
+<p:notesMaster xmlns:r="http://schemas.openxmlformats.org/officeDocument/2006/relationships" xmlns:c="http://schemas.openxmlformats.org/drawingml/2006/chart" xmlns:a="http://schemas.openxmlformats.org/drawingml/2006/main" xmlns:dgm="http://schemas.openxmlformats.org/drawingml/2006/diagram" xmlns:dsp="http://schemas.microsoft.com/office/drawing/2008/diagram" xmlns:p="http://schemas.openxmlformats.org/presentationml/2006/main">
   <p:cSld>
     <p:bg>
       <p:bgRef idx="1001">
@@ -358,7 +322,7 @@
             <a:spLocks noGrp="1"/>
           </p:cNvSpPr>
           <p:nvPr>
-            <p:ph type="hdr" sz="quarter"/>
+            <p:ph type="hdr" sz="quarter" idx="0"/>
           </p:nvPr>
         </p:nvSpPr>
         <p:spPr>
@@ -381,6 +345,10 @@
             <a:pPr lvl="0">
               <a:defRPr lang="ko-KR" altLang="en-US"/>
             </a:pPr>
+            <a:r>
+              <a:rPr lang="ko-KR" altLang="en-US"/>
+              <a:t/>
+            </a:r>
             <a:endParaRPr lang="ko-KR" altLang="en-US"/>
           </a:p>
         </p:txBody>
@@ -420,7 +388,7 @@
               <a:pPr lvl="0">
                 <a:defRPr lang="ko-KR" altLang="en-US"/>
               </a:pPr>
-              <a:t>2016-12-15</a:t>
+              <a:t>2016-12-16</a:t>
             </a:fld>
             <a:endParaRPr lang="ko-KR" altLang="en-US"/>
           </a:p>
@@ -492,6 +460,7 @@
               <a:rPr lang="ko-KR" altLang="en-US"/>
               <a:t>마스터 텍스트 스타일을 편집합니다</a:t>
             </a:r>
+            <a:endParaRPr lang="ko-KR" altLang="en-US"/>
           </a:p>
           <a:p>
             <a:pPr lvl="1">
@@ -501,6 +470,7 @@
               <a:rPr lang="ko-KR" altLang="en-US"/>
               <a:t>둘째 수준</a:t>
             </a:r>
+            <a:endParaRPr lang="ko-KR" altLang="en-US"/>
           </a:p>
           <a:p>
             <a:pPr lvl="2">
@@ -510,6 +480,7 @@
               <a:rPr lang="ko-KR" altLang="en-US"/>
               <a:t>셋째 수준</a:t>
             </a:r>
+            <a:endParaRPr lang="ko-KR" altLang="en-US"/>
           </a:p>
           <a:p>
             <a:pPr lvl="3">
@@ -519,6 +490,7 @@
               <a:rPr lang="ko-KR" altLang="en-US"/>
               <a:t>넷째 수준</a:t>
             </a:r>
+            <a:endParaRPr lang="ko-KR" altLang="en-US"/>
           </a:p>
           <a:p>
             <a:pPr lvl="4">
@@ -528,6 +500,7 @@
               <a:rPr lang="ko-KR" altLang="en-US"/>
               <a:t>다섯째 수준</a:t>
             </a:r>
+            <a:endParaRPr lang="ko-KR" altLang="en-US"/>
           </a:p>
         </p:txBody>
       </p:sp>
@@ -561,6 +534,10 @@
             <a:pPr lvl="0">
               <a:defRPr lang="ko-KR" altLang="en-US"/>
             </a:pPr>
+            <a:r>
+              <a:rPr lang="ko-KR" altLang="en-US"/>
+              <a:t/>
+            </a:r>
             <a:endParaRPr lang="ko-KR" altLang="en-US"/>
           </a:p>
         </p:txBody>
@@ -706,7 +683,7 @@
 </file>
 
 <file path=ppt/notesSlides/notesSlide1.xml><?xml version="1.0" encoding="utf-8"?>
-<p:notes xmlns:a="http://schemas.openxmlformats.org/drawingml/2006/main" xmlns:r="http://schemas.openxmlformats.org/officeDocument/2006/relationships" xmlns:p="http://schemas.openxmlformats.org/presentationml/2006/main">
+<p:notes xmlns:r="http://schemas.openxmlformats.org/officeDocument/2006/relationships" xmlns:c="http://schemas.openxmlformats.org/drawingml/2006/chart" xmlns:a="http://schemas.openxmlformats.org/drawingml/2006/main" xmlns:dgm="http://schemas.openxmlformats.org/drawingml/2006/diagram" xmlns:dsp="http://schemas.microsoft.com/office/drawing/2008/diagram" xmlns:p="http://schemas.openxmlformats.org/presentationml/2006/main">
   <p:cSld>
     <p:spTree>
       <p:nvGrpSpPr>
@@ -729,7 +706,7 @@
             <a:spLocks noGrp="1" noRot="1" noChangeAspect="1" noTextEdit="1"/>
           </p:cNvSpPr>
           <p:nvPr>
-            <p:ph type="sldImg"/>
+            <p:ph type="sldImg" idx="0"/>
           </p:nvPr>
         </p:nvSpPr>
         <p:spPr/>
@@ -752,6 +729,10 @@
             <a:pPr lvl="0">
               <a:defRPr lang="ko-KR" altLang="en-US"/>
             </a:pPr>
+            <a:r>
+              <a:rPr lang="ko-KR" altLang="en-US"/>
+              <a:t/>
+            </a:r>
             <a:endParaRPr lang="ko-KR" altLang="en-US"/>
           </a:p>
         </p:txBody>
@@ -787,9 +768,6 @@
       </p:sp>
     </p:spTree>
   </p:cSld>
-  <p:clrMapOvr>
-    <a:masterClrMapping/>
-  </p:clrMapOvr>
 </p:notes>
 </file>
 
@@ -13718,7 +13696,7 @@
 </file>
 
 <file path=ppt/slides/slide17.xml><?xml version="1.0" encoding="utf-8"?>
-<p:sld xmlns:a="http://schemas.openxmlformats.org/drawingml/2006/main" xmlns:r="http://schemas.openxmlformats.org/officeDocument/2006/relationships" xmlns:p="http://schemas.openxmlformats.org/presentationml/2006/main">
+<p:sld xmlns:r="http://schemas.openxmlformats.org/officeDocument/2006/relationships" xmlns:c="http://schemas.openxmlformats.org/drawingml/2006/chart" xmlns:a="http://schemas.openxmlformats.org/drawingml/2006/main" xmlns:dgm="http://schemas.openxmlformats.org/drawingml/2006/diagram" xmlns:dsp="http://schemas.microsoft.com/office/drawing/2008/diagram" xmlns:p="http://schemas.openxmlformats.org/presentationml/2006/main">
   <p:cSld>
     <p:spTree>
       <p:nvGrpSpPr>
@@ -13743,7 +13721,7 @@
         <p:spPr>
           <a:xfrm>
             <a:off x="328861" y="376956"/>
-            <a:ext cx="556563" cy="461665"/>
+            <a:ext cx="524579" cy="449814"/>
           </a:xfrm>
           <a:prstGeom prst="rect">
             <a:avLst/>
@@ -13759,18 +13737,18 @@
               <a:defRPr lang="ko-KR" altLang="en-US"/>
             </a:pPr>
             <a:r>
-              <a:rPr lang="en-US" altLang="ko-KR" sz="2400" b="1" dirty="0">
+              <a:rPr lang="en-US" altLang="ko-KR" sz="2400" b="1">
                 <a:solidFill>
-                  <a:srgbClr val="FF873C"/>
+                  <a:srgbClr val="ff873c"/>
                 </a:solidFill>
                 <a:latin typeface="나눔고딕 ExtraBold"/>
                 <a:ea typeface="나눔고딕 ExtraBold"/>
               </a:rPr>
               <a:t>04</a:t>
             </a:r>
-            <a:endParaRPr lang="ko-KR" altLang="en-US" sz="2400" b="1" dirty="0">
+            <a:endParaRPr lang="ko-KR" altLang="en-US" sz="2400" b="1">
               <a:solidFill>
-                <a:srgbClr val="FF873C"/>
+                <a:srgbClr val="ff873c"/>
               </a:solidFill>
               <a:latin typeface="나눔고딕 ExtraBold"/>
               <a:ea typeface="나눔고딕 ExtraBold"/>
@@ -13794,7 +13772,7 @@
           </a:prstGeom>
           <a:ln w="38100">
             <a:solidFill>
-              <a:srgbClr val="FF873C"/>
+              <a:srgbClr val="ff873c"/>
             </a:solidFill>
           </a:ln>
         </p:spPr>
@@ -13829,7 +13807,7 @@
           </a:prstGeom>
           <a:ln w="12700">
             <a:solidFill>
-              <a:srgbClr val="FF873C"/>
+              <a:srgbClr val="ff873c"/>
             </a:solidFill>
           </a:ln>
         </p:spPr>
@@ -13874,9 +13852,10 @@
               <a:defRPr lang="ko-KR" altLang="en-US"/>
             </a:pPr>
             <a:r>
-              <a:rPr lang="ko-KR" altLang="en-US" sz="3000" b="1" spc="-125" dirty="0"/>
+              <a:rPr lang="ko-KR" altLang="en-US" sz="3000" b="1" spc="-124"/>
               <a:t>시연</a:t>
             </a:r>
+            <a:endParaRPr lang="ko-KR" altLang="en-US" sz="3000" b="1" spc="-124"/>
           </a:p>
         </p:txBody>
       </p:sp>
@@ -13888,8 +13867,8 @@
         </p:nvSpPr>
         <p:spPr>
           <a:xfrm>
-            <a:off x="869279" y="5665037"/>
-            <a:ext cx="7488324" cy="377796"/>
+            <a:off x="869277" y="5665037"/>
+            <a:ext cx="7488323" cy="410008"/>
           </a:xfrm>
           <a:prstGeom prst="rect">
             <a:avLst/>
@@ -13911,19 +13890,17 @@
               <a:defRPr lang="ko-KR" altLang="en-US"/>
             </a:pPr>
             <a:r>
-              <a:rPr lang="en-US" altLang="ko-KR" sz="1400" dirty="0">
+              <a:rPr lang="en-US" altLang="ko-KR" sz="1400">
                 <a:solidFill>
                   <a:schemeClr val="bg1"/>
                 </a:solidFill>
               </a:rPr>
-              <a:t>https://www.youtube.com/watch?v=xaiQNA-1rCk&amp;feature=youtu.be</a:t>
+              <a:t>https://www.youtube.com/watch?v=PzcD5tkSp8g</a:t>
             </a:r>
-            <a:endParaRPr lang="en-US" altLang="ko-KR" sz="1400" b="1" spc="-17" dirty="0">
+            <a:endParaRPr lang="en-US" altLang="ko-KR" sz="1400">
               <a:solidFill>
                 <a:schemeClr val="bg1"/>
               </a:solidFill>
-              <a:latin typeface="나눔고딕"/>
-              <a:ea typeface="나눔고딕"/>
             </a:endParaRPr>
           </a:p>
         </p:txBody>
@@ -13937,10 +13914,10 @@
             <a:picLocks noRot="1" noChangeAspect="1"/>
           </p:cNvPicPr>
           <p:nvPr>
-            <a:videoFile r:link="rId1"/>
+            <a:videoFile r:link="rId2"/>
           </p:nvPr>
         </p:nvPicPr>
-        <p:blipFill>
+        <p:blipFill rotWithShape="1">
           <a:blip r:embed="rId3"/>
           <a:stretch>
             <a:fillRect/>
@@ -13965,7 +13942,7 @@
         <p:spPr>
           <a:xfrm>
             <a:off x="1367644" y="1340768"/>
-            <a:ext cx="6835924" cy="794064"/>
+            <a:ext cx="6835924" cy="781402"/>
           </a:xfrm>
           <a:prstGeom prst="rect">
             <a:avLst/>
@@ -13984,9 +13961,9 @@
               </a:lnSpc>
               <a:defRPr lang="ko-KR" altLang="en-US"/>
             </a:pPr>
-            <a:endParaRPr lang="ko-KR" altLang="en-US" sz="1200" b="1" spc="-17" dirty="0">
+            <a:endParaRPr lang="ko-KR" altLang="en-US" sz="1200" b="1" spc="-17">
               <a:solidFill>
-                <a:srgbClr val="FF873C"/>
+                <a:srgbClr val="ff873c"/>
               </a:solidFill>
               <a:latin typeface="나눔고딕"/>
               <a:ea typeface="나눔고딕"/>
@@ -14002,18 +13979,18 @@
               <a:defRPr lang="ko-KR" altLang="en-US"/>
             </a:pPr>
             <a:r>
-              <a:rPr lang="ko-KR" altLang="en-US" sz="2800" b="1" spc="-28" dirty="0">
+              <a:rPr lang="ko-KR" altLang="en-US" sz="2800" b="1" spc="-33">
                 <a:solidFill>
-                  <a:srgbClr val="FF873C"/>
+                  <a:srgbClr val="ff873c"/>
                 </a:solidFill>
                 <a:latin typeface="나눔고딕"/>
                 <a:ea typeface="나눔고딕"/>
               </a:rPr>
               <a:t>데모 영상</a:t>
             </a:r>
-            <a:endParaRPr lang="en-US" altLang="ko-KR" sz="2800" b="1" spc="-28" dirty="0">
+            <a:endParaRPr lang="en-US" altLang="ko-KR" sz="2800" b="1" spc="-33">
               <a:solidFill>
-                <a:srgbClr val="FF873C"/>
+                <a:srgbClr val="ff873c"/>
               </a:solidFill>
               <a:latin typeface="나눔고딕"/>
               <a:ea typeface="나눔고딕"/>
@@ -14022,16 +13999,11 @@
         </p:txBody>
       </p:sp>
     </p:spTree>
-    <p:extLst>
-      <p:ext uri="{BB962C8B-B14F-4D97-AF65-F5344CB8AC3E}">
-        <p14:creationId xmlns:p14="http://schemas.microsoft.com/office/powerpoint/2010/main" val="3317434751"/>
-      </p:ext>
-    </p:extLst>
   </p:cSld>
   <p:clrMapOvr>
     <a:masterClrMapping/>
   </p:clrMapOvr>
-  <p:transition>
+  <p:transition xmlns:mc="http://schemas.openxmlformats.org/markup-compatibility/2006" xmlns:hp="http://schemas.haansoft.com/office/presentation/8.0" mc:Ignorable="hp" hp:hslDur="500">
     <p:fade thruBlk="1"/>
   </p:transition>
   <p:timing>
@@ -14089,13 +14061,6 @@
                   </p:par>
                 </p:childTnLst>
               </p:cTn>
-              <p:nextCondLst>
-                <p:cond evt="onClick" delay="0">
-                  <p:tgtEl>
-                    <p:spTgt spid="2"/>
-                  </p:tgtEl>
-                </p:cond>
-              </p:nextCondLst>
             </p:seq>
             <p:video>
               <p:cMediaNode vol="80000">
@@ -20413,44 +20378,44 @@
 </file>
 
 <file path=ppt/theme/theme1.xml><?xml version="1.0" encoding="utf-8"?>
-<a:theme xmlns:a="http://schemas.openxmlformats.org/drawingml/2006/main" name="Office 테마">
+<a:theme xmlns:r="http://schemas.openxmlformats.org/officeDocument/2006/relationships" xmlns:c="http://schemas.openxmlformats.org/drawingml/2006/chart" xmlns:dgm="http://schemas.openxmlformats.org/drawingml/2006/diagram" xmlns:dsp="http://schemas.microsoft.com/office/drawing/2008/diagram" xmlns:a="http://schemas.openxmlformats.org/drawingml/2006/main" xmlns:pic="http://schemas.openxmlformats.org/drawingml/2006/picture" xmlns:wp="http://schemas.openxmlformats.org/drawingml/2006/wordprocessingDrawing" xmlns:xdr="http://schemas.openxmlformats.org/drawingml/2006/spreadsheetDrawing" name="Office 테마">
   <a:themeElements>
     <a:clrScheme name="사용자 지정 2">
       <a:dk1>
         <a:sysClr val="windowText" lastClr="000000"/>
       </a:dk1>
       <a:lt1>
-        <a:sysClr val="window" lastClr="FFFFFF"/>
+        <a:sysClr val="window" lastClr="ffffff"/>
       </a:lt1>
       <a:dk2>
-        <a:srgbClr val="1F497D"/>
+        <a:srgbClr val="1f497d"/>
       </a:dk2>
       <a:lt2>
-        <a:srgbClr val="EEECE1"/>
+        <a:srgbClr val="eeece1"/>
       </a:lt2>
       <a:accent1>
-        <a:srgbClr val="4F81BD"/>
+        <a:srgbClr val="4f81bd"/>
       </a:accent1>
       <a:accent2>
-        <a:srgbClr val="C0504D"/>
+        <a:srgbClr val="c0504d"/>
       </a:accent2>
       <a:accent3>
-        <a:srgbClr val="9BBB59"/>
+        <a:srgbClr val="9bbb59"/>
       </a:accent3>
       <a:accent4>
-        <a:srgbClr val="8064A2"/>
+        <a:srgbClr val="8064a2"/>
       </a:accent4>
       <a:accent5>
-        <a:srgbClr val="4BACC6"/>
+        <a:srgbClr val="4bacc6"/>
       </a:accent5>
       <a:accent6>
-        <a:srgbClr val="F79646"/>
+        <a:srgbClr val="f79646"/>
       </a:accent6>
       <a:hlink>
-        <a:srgbClr val="F2F2F2"/>
+        <a:srgbClr val="f2f2f2"/>
       </a:hlink>
       <a:folHlink>
-        <a:srgbClr val="A5A5A5"/>
+        <a:srgbClr val="a5a5a5"/>
       </a:folHlink>
     </a:clrScheme>
     <a:fontScheme name="나눔고딕">
@@ -20621,47 +20586,45 @@
       </a:bgFillStyleLst>
     </a:fmtScheme>
   </a:themeElements>
-  <a:objectDefaults/>
-  <a:extraClrSchemeLst/>
 </a:theme>
 </file>
 
 <file path=ppt/theme/theme2.xml><?xml version="1.0" encoding="utf-8"?>
-<a:theme xmlns:a="http://schemas.openxmlformats.org/drawingml/2006/main" name="Office 테마">
+<a:theme xmlns:r="http://schemas.openxmlformats.org/officeDocument/2006/relationships" xmlns:c="http://schemas.openxmlformats.org/drawingml/2006/chart" xmlns:dgm="http://schemas.openxmlformats.org/drawingml/2006/diagram" xmlns:dsp="http://schemas.microsoft.com/office/drawing/2008/diagram" xmlns:a="http://schemas.openxmlformats.org/drawingml/2006/main" xmlns:pic="http://schemas.openxmlformats.org/drawingml/2006/picture" xmlns:wp="http://schemas.openxmlformats.org/drawingml/2006/wordprocessingDrawing" xmlns:xdr="http://schemas.openxmlformats.org/drawingml/2006/spreadsheetDrawing" name="Office 테마">
   <a:themeElements>
     <a:clrScheme name="Office">
       <a:dk1>
         <a:sysClr val="windowText" lastClr="000000"/>
       </a:dk1>
       <a:lt1>
-        <a:sysClr val="window" lastClr="FFFFFF"/>
+        <a:sysClr val="window" lastClr="ffffff"/>
       </a:lt1>
       <a:dk2>
-        <a:srgbClr val="1F497D"/>
+        <a:srgbClr val="1f497d"/>
       </a:dk2>
       <a:lt2>
-        <a:srgbClr val="EEECE1"/>
+        <a:srgbClr val="eeece1"/>
       </a:lt2>
       <a:accent1>
-        <a:srgbClr val="4F81BD"/>
+        <a:srgbClr val="4f81bd"/>
       </a:accent1>
       <a:accent2>
-        <a:srgbClr val="C0504D"/>
+        <a:srgbClr val="c0504d"/>
       </a:accent2>
       <a:accent3>
-        <a:srgbClr val="9BBB59"/>
+        <a:srgbClr val="9bbb59"/>
       </a:accent3>
       <a:accent4>
-        <a:srgbClr val="8064A2"/>
+        <a:srgbClr val="8064a2"/>
       </a:accent4>
       <a:accent5>
-        <a:srgbClr val="4BACC6"/>
+        <a:srgbClr val="4bacc6"/>
       </a:accent5>
       <a:accent6>
-        <a:srgbClr val="F79646"/>
+        <a:srgbClr val="f79646"/>
       </a:accent6>
       <a:hlink>
-        <a:srgbClr val="0000FF"/>
+        <a:srgbClr val="0000ff"/>
       </a:hlink>
       <a:folHlink>
         <a:srgbClr val="800080"/>
@@ -20895,7 +20858,5 @@
       </a:bgFillStyleLst>
     </a:fmtScheme>
   </a:themeElements>
-  <a:objectDefaults/>
-  <a:extraClrSchemeLst/>
 </a:theme>
 </file>